--- a/HW_1/架構圖.pptx
+++ b/HW_1/架構圖.pptx
@@ -105,6 +105,11 @@
       </a:defRPr>
     </a:lvl9pPr>
   </p:defaultTextStyle>
+  <p:extLst>
+    <p:ext uri="{EFAFB233-063F-42B5-8137-9DF3F51BA10A}">
+      <p15:sldGuideLst xmlns:p15="http://schemas.microsoft.com/office/powerpoint/2012/main"/>
+    </p:ext>
+  </p:extLst>
 </p:presentation>
 </file>
 
@@ -3650,10 +3655,10 @@
         </p:nvGrpSpPr>
         <p:grpSpPr>
           <a:xfrm>
-            <a:off x="5175680" y="1450131"/>
-            <a:ext cx="1367161" cy="584775"/>
+            <a:off x="4989526" y="1446127"/>
+            <a:ext cx="2074416" cy="840307"/>
             <a:chOff x="612557" y="1360939"/>
-            <a:chExt cx="1367161" cy="584775"/>
+            <a:chExt cx="1422368" cy="830997"/>
           </a:xfrm>
         </p:grpSpPr>
         <p:sp>
@@ -3718,7 +3723,7 @@
           <p:spPr>
             <a:xfrm>
               <a:off x="612557" y="1360939"/>
-              <a:ext cx="1367161" cy="584775"/>
+              <a:ext cx="1422368" cy="830997"/>
             </a:xfrm>
             <a:prstGeom prst="rect">
               <a:avLst/>
@@ -3743,8 +3748,39 @@
                   <a:latin typeface="標楷體" panose="03000509000000000000" pitchFamily="65" charset="-120"/>
                   <a:ea typeface="標楷體" panose="03000509000000000000" pitchFamily="65" charset="-120"/>
                 </a:rPr>
-                <a:t>紋路紋路統計</a:t>
+                <a:t>紋路統計範圍</a:t>
               </a:r>
+              <a:endParaRPr lang="en-US" altLang="zh-TW" sz="1600" dirty="0">
+                <a:latin typeface="標楷體" panose="03000509000000000000" pitchFamily="65" charset="-120"/>
+                <a:ea typeface="標楷體" panose="03000509000000000000" pitchFamily="65" charset="-120"/>
+              </a:endParaRPr>
+            </a:p>
+            <a:p>
+              <a:r>
+                <a:rPr lang="zh-TW" altLang="en-US" sz="1600" dirty="0">
+                  <a:latin typeface="標楷體" panose="03000509000000000000" pitchFamily="65" charset="-120"/>
+                  <a:ea typeface="標楷體" panose="03000509000000000000" pitchFamily="65" charset="-120"/>
+                </a:rPr>
+                <a:t>大</a:t>
+              </a:r>
+              <a:r>
+                <a:rPr lang="en-US" altLang="zh-TW" sz="1600" dirty="0">
+                  <a:latin typeface="標楷體" panose="03000509000000000000" pitchFamily="65" charset="-120"/>
+                  <a:ea typeface="標楷體" panose="03000509000000000000" pitchFamily="65" charset="-120"/>
+                </a:rPr>
+                <a:t>kernel </a:t>
+              </a:r>
+              <a:r>
+                <a:rPr lang="en-US" altLang="zh-TW" sz="1600" dirty="0" err="1">
+                  <a:latin typeface="標楷體" panose="03000509000000000000" pitchFamily="65" charset="-120"/>
+                  <a:ea typeface="標楷體" panose="03000509000000000000" pitchFamily="65" charset="-120"/>
+                </a:rPr>
+                <a:t>NxN</a:t>
+              </a:r>
+              <a:endParaRPr lang="zh-TW" altLang="en-US" sz="1600" dirty="0">
+                <a:latin typeface="標楷體" panose="03000509000000000000" pitchFamily="65" charset="-120"/>
+                <a:ea typeface="標楷體" panose="03000509000000000000" pitchFamily="65" charset="-120"/>
+              </a:endParaRPr>
             </a:p>
           </p:txBody>
         </p:sp>
@@ -3971,15 +4007,16 @@
             </a:extLst>
           </p:cNvPr>
           <p:cNvCxnSpPr>
+            <a:cxnSpLocks/>
             <a:stCxn id="4" idx="2"/>
             <a:endCxn id="22" idx="0"/>
           </p:cNvCxnSpPr>
           <p:nvPr/>
         </p:nvCxnSpPr>
         <p:spPr>
-          <a:xfrm flipH="1">
-            <a:off x="5859261" y="887767"/>
-            <a:ext cx="2" cy="562364"/>
+          <a:xfrm>
+            <a:off x="5859263" y="887767"/>
+            <a:ext cx="167471" cy="558360"/>
           </a:xfrm>
           <a:prstGeom prst="straightConnector1">
             <a:avLst/>
@@ -4271,23 +4308,19 @@
             <a:lstStyle/>
             <a:p>
               <a:r>
+                <a:rPr lang="en-US" altLang="zh-TW" sz="1600" dirty="0">
+                  <a:latin typeface="標楷體" panose="03000509000000000000" pitchFamily="65" charset="-120"/>
+                  <a:ea typeface="標楷體" panose="03000509000000000000" pitchFamily="65" charset="-120"/>
+                </a:rPr>
+                <a:t>3x3 LBP</a:t>
+              </a:r>
+              <a:r>
                 <a:rPr lang="zh-TW" altLang="en-US" sz="1600" dirty="0">
                   <a:latin typeface="標楷體" panose="03000509000000000000" pitchFamily="65" charset="-120"/>
                   <a:ea typeface="標楷體" panose="03000509000000000000" pitchFamily="65" charset="-120"/>
                 </a:rPr>
-                <a:t>紋路分類</a:t>
+                <a:t>編碼</a:t>
               </a:r>
-              <a:r>
-                <a:rPr lang="en-US" altLang="zh-TW" sz="1600" dirty="0">
-                  <a:latin typeface="標楷體" panose="03000509000000000000" pitchFamily="65" charset="-120"/>
-                  <a:ea typeface="標楷體" panose="03000509000000000000" pitchFamily="65" charset="-120"/>
-                </a:rPr>
-                <a:t>LBP</a:t>
-              </a:r>
-              <a:endParaRPr lang="zh-TW" altLang="en-US" sz="1600" dirty="0">
-                <a:latin typeface="標楷體" panose="03000509000000000000" pitchFamily="65" charset="-120"/>
-                <a:ea typeface="標楷體" panose="03000509000000000000" pitchFamily="65" charset="-120"/>
-              </a:endParaRPr>
             </a:p>
           </p:txBody>
         </p:sp>

--- a/HW_1/架構圖.pptx
+++ b/HW_1/架構圖.pptx
@@ -6,7 +6,7 @@
   </p:sldMasterIdLst>
   <p:sldIdLst>
     <p:sldId id="257" r:id="rId2"/>
-    <p:sldId id="258" r:id="rId3"/>
+    <p:sldId id="259" r:id="rId3"/>
   </p:sldIdLst>
   <p:sldSz cx="12192000" cy="6858000"/>
   <p:notesSz cx="6858000" cy="9144000"/>
@@ -260,7 +260,7 @@
           <a:p>
             <a:fld id="{8CB5F72D-0A1E-4053-9722-99B1F933BAB2}" type="datetimeFigureOut">
               <a:rPr lang="zh-TW" altLang="en-US" smtClean="0"/>
-              <a:t>2024/10/24</a:t>
+              <a:t>2024/11/7</a:t>
             </a:fld>
             <a:endParaRPr lang="zh-TW" altLang="en-US"/>
           </a:p>
@@ -458,7 +458,7 @@
           <a:p>
             <a:fld id="{8CB5F72D-0A1E-4053-9722-99B1F933BAB2}" type="datetimeFigureOut">
               <a:rPr lang="zh-TW" altLang="en-US" smtClean="0"/>
-              <a:t>2024/10/24</a:t>
+              <a:t>2024/11/7</a:t>
             </a:fld>
             <a:endParaRPr lang="zh-TW" altLang="en-US"/>
           </a:p>
@@ -666,7 +666,7 @@
           <a:p>
             <a:fld id="{8CB5F72D-0A1E-4053-9722-99B1F933BAB2}" type="datetimeFigureOut">
               <a:rPr lang="zh-TW" altLang="en-US" smtClean="0"/>
-              <a:t>2024/10/24</a:t>
+              <a:t>2024/11/7</a:t>
             </a:fld>
             <a:endParaRPr lang="zh-TW" altLang="en-US"/>
           </a:p>
@@ -864,7 +864,7 @@
           <a:p>
             <a:fld id="{8CB5F72D-0A1E-4053-9722-99B1F933BAB2}" type="datetimeFigureOut">
               <a:rPr lang="zh-TW" altLang="en-US" smtClean="0"/>
-              <a:t>2024/10/24</a:t>
+              <a:t>2024/11/7</a:t>
             </a:fld>
             <a:endParaRPr lang="zh-TW" altLang="en-US"/>
           </a:p>
@@ -1139,7 +1139,7 @@
           <a:p>
             <a:fld id="{8CB5F72D-0A1E-4053-9722-99B1F933BAB2}" type="datetimeFigureOut">
               <a:rPr lang="zh-TW" altLang="en-US" smtClean="0"/>
-              <a:t>2024/10/24</a:t>
+              <a:t>2024/11/7</a:t>
             </a:fld>
             <a:endParaRPr lang="zh-TW" altLang="en-US"/>
           </a:p>
@@ -1404,7 +1404,7 @@
           <a:p>
             <a:fld id="{8CB5F72D-0A1E-4053-9722-99B1F933BAB2}" type="datetimeFigureOut">
               <a:rPr lang="zh-TW" altLang="en-US" smtClean="0"/>
-              <a:t>2024/10/24</a:t>
+              <a:t>2024/11/7</a:t>
             </a:fld>
             <a:endParaRPr lang="zh-TW" altLang="en-US"/>
           </a:p>
@@ -1816,7 +1816,7 @@
           <a:p>
             <a:fld id="{8CB5F72D-0A1E-4053-9722-99B1F933BAB2}" type="datetimeFigureOut">
               <a:rPr lang="zh-TW" altLang="en-US" smtClean="0"/>
-              <a:t>2024/10/24</a:t>
+              <a:t>2024/11/7</a:t>
             </a:fld>
             <a:endParaRPr lang="zh-TW" altLang="en-US"/>
           </a:p>
@@ -1957,7 +1957,7 @@
           <a:p>
             <a:fld id="{8CB5F72D-0A1E-4053-9722-99B1F933BAB2}" type="datetimeFigureOut">
               <a:rPr lang="zh-TW" altLang="en-US" smtClean="0"/>
-              <a:t>2024/10/24</a:t>
+              <a:t>2024/11/7</a:t>
             </a:fld>
             <a:endParaRPr lang="zh-TW" altLang="en-US"/>
           </a:p>
@@ -2070,7 +2070,7 @@
           <a:p>
             <a:fld id="{8CB5F72D-0A1E-4053-9722-99B1F933BAB2}" type="datetimeFigureOut">
               <a:rPr lang="zh-TW" altLang="en-US" smtClean="0"/>
-              <a:t>2024/10/24</a:t>
+              <a:t>2024/11/7</a:t>
             </a:fld>
             <a:endParaRPr lang="zh-TW" altLang="en-US"/>
           </a:p>
@@ -2381,7 +2381,7 @@
           <a:p>
             <a:fld id="{8CB5F72D-0A1E-4053-9722-99B1F933BAB2}" type="datetimeFigureOut">
               <a:rPr lang="zh-TW" altLang="en-US" smtClean="0"/>
-              <a:t>2024/10/24</a:t>
+              <a:t>2024/11/7</a:t>
             </a:fld>
             <a:endParaRPr lang="zh-TW" altLang="en-US"/>
           </a:p>
@@ -2669,7 +2669,7 @@
           <a:p>
             <a:fld id="{8CB5F72D-0A1E-4053-9722-99B1F933BAB2}" type="datetimeFigureOut">
               <a:rPr lang="zh-TW" altLang="en-US" smtClean="0"/>
-              <a:t>2024/10/24</a:t>
+              <a:t>2024/11/7</a:t>
             </a:fld>
             <a:endParaRPr lang="zh-TW" altLang="en-US"/>
           </a:p>
@@ -2910,7 +2910,7 @@
           <a:p>
             <a:fld id="{8CB5F72D-0A1E-4053-9722-99B1F933BAB2}" type="datetimeFigureOut">
               <a:rPr lang="zh-TW" altLang="en-US" smtClean="0"/>
-              <a:t>2024/10/24</a:t>
+              <a:t>2024/11/7</a:t>
             </a:fld>
             <a:endParaRPr lang="zh-TW" altLang="en-US"/>
           </a:p>
@@ -3799,7 +3799,7 @@
         </p:nvGrpSpPr>
         <p:grpSpPr>
           <a:xfrm>
-            <a:off x="7250096" y="1494684"/>
+            <a:off x="7193986" y="1528854"/>
             <a:ext cx="1566908" cy="495670"/>
             <a:chOff x="639193" y="1405492"/>
             <a:chExt cx="1566908" cy="495670"/>
@@ -3881,12 +3881,16 @@
             <a:lstStyle/>
             <a:p>
               <a:r>
-                <a:rPr lang="zh-TW" altLang="en-US" sz="1600" dirty="0">
+                <a:rPr lang="en-US" altLang="zh-TW" sz="1600" dirty="0">
                   <a:latin typeface="標楷體" panose="03000509000000000000" pitchFamily="65" charset="-120"/>
                   <a:ea typeface="標楷體" panose="03000509000000000000" pitchFamily="65" charset="-120"/>
                 </a:rPr>
-                <a:t>前處理</a:t>
+                <a:t>sobel</a:t>
               </a:r>
+              <a:endParaRPr lang="zh-TW" altLang="en-US" sz="1600" dirty="0">
+                <a:latin typeface="標楷體" panose="03000509000000000000" pitchFamily="65" charset="-120"/>
+                <a:ea typeface="標楷體" panose="03000509000000000000" pitchFamily="65" charset="-120"/>
+              </a:endParaRPr>
             </a:p>
           </p:txBody>
         </p:sp>
@@ -4102,7 +4106,7 @@
         <p:spPr>
           <a:xfrm>
             <a:off x="5859263" y="887767"/>
-            <a:ext cx="1981198" cy="606917"/>
+            <a:ext cx="1925088" cy="641087"/>
           </a:xfrm>
           <a:prstGeom prst="straightConnector1">
             <a:avLst/>
@@ -4769,7 +4773,7 @@
         </p:nvGrpSpPr>
         <p:grpSpPr>
           <a:xfrm>
-            <a:off x="2053520" y="4084214"/>
+            <a:off x="2737101" y="3946946"/>
             <a:ext cx="1367161" cy="495670"/>
             <a:chOff x="577740" y="1405492"/>
             <a:chExt cx="1367161" cy="495670"/>
@@ -4889,12 +4893,229 @@
           </p:txBody>
         </p:sp>
       </p:grpSp>
+      <p:cxnSp>
+        <p:nvCxnSpPr>
+          <p:cNvPr id="70" name="直線單箭頭接點 69">
+            <a:extLst>
+              <a:ext uri="{FF2B5EF4-FFF2-40B4-BE49-F238E27FC236}">
+                <a16:creationId xmlns:a16="http://schemas.microsoft.com/office/drawing/2014/main" id="{82DCB461-5704-41CD-B1D4-52231E4A45AC}"/>
+              </a:ext>
+            </a:extLst>
+          </p:cNvPr>
+          <p:cNvCxnSpPr>
+            <a:cxnSpLocks/>
+            <a:stCxn id="18" idx="2"/>
+            <a:endCxn id="59" idx="0"/>
+          </p:cNvCxnSpPr>
+          <p:nvPr/>
+        </p:nvCxnSpPr>
+        <p:spPr>
+          <a:xfrm flipH="1">
+            <a:off x="3382671" y="1962843"/>
+            <a:ext cx="582690" cy="764607"/>
+          </a:xfrm>
+          <a:prstGeom prst="straightConnector1">
+            <a:avLst/>
+          </a:prstGeom>
+          <a:ln>
+            <a:tailEnd type="triangle"/>
+          </a:ln>
+        </p:spPr>
+        <p:style>
+          <a:lnRef idx="1">
+            <a:schemeClr val="accent1"/>
+          </a:lnRef>
+          <a:fillRef idx="0">
+            <a:schemeClr val="accent1"/>
+          </a:fillRef>
+          <a:effectRef idx="0">
+            <a:schemeClr val="accent1"/>
+          </a:effectRef>
+          <a:fontRef idx="minor">
+            <a:schemeClr val="tx1"/>
+          </a:fontRef>
+        </p:style>
+      </p:cxnSp>
+      <p:cxnSp>
+        <p:nvCxnSpPr>
+          <p:cNvPr id="73" name="直線單箭頭接點 72">
+            <a:extLst>
+              <a:ext uri="{FF2B5EF4-FFF2-40B4-BE49-F238E27FC236}">
+                <a16:creationId xmlns:a16="http://schemas.microsoft.com/office/drawing/2014/main" id="{1FB46B50-3F1D-48F8-A660-7D73AB487093}"/>
+              </a:ext>
+            </a:extLst>
+          </p:cNvPr>
+          <p:cNvCxnSpPr>
+            <a:cxnSpLocks/>
+            <a:stCxn id="18" idx="2"/>
+          </p:cNvCxnSpPr>
+          <p:nvPr/>
+        </p:nvCxnSpPr>
+        <p:spPr>
+          <a:xfrm>
+            <a:off x="3965361" y="1962843"/>
+            <a:ext cx="707255" cy="723826"/>
+          </a:xfrm>
+          <a:prstGeom prst="straightConnector1">
+            <a:avLst/>
+          </a:prstGeom>
+          <a:ln>
+            <a:tailEnd type="triangle"/>
+          </a:ln>
+        </p:spPr>
+        <p:style>
+          <a:lnRef idx="1">
+            <a:schemeClr val="accent1"/>
+          </a:lnRef>
+          <a:fillRef idx="0">
+            <a:schemeClr val="accent1"/>
+          </a:fillRef>
+          <a:effectRef idx="0">
+            <a:schemeClr val="accent1"/>
+          </a:effectRef>
+          <a:fontRef idx="minor">
+            <a:schemeClr val="tx1"/>
+          </a:fontRef>
+        </p:style>
+      </p:cxnSp>
+      <p:cxnSp>
+        <p:nvCxnSpPr>
+          <p:cNvPr id="77" name="直線單箭頭接點 76">
+            <a:extLst>
+              <a:ext uri="{FF2B5EF4-FFF2-40B4-BE49-F238E27FC236}">
+                <a16:creationId xmlns:a16="http://schemas.microsoft.com/office/drawing/2014/main" id="{11F5863D-9622-45CE-BEC1-23305BBC9DD6}"/>
+              </a:ext>
+            </a:extLst>
+          </p:cNvPr>
+          <p:cNvCxnSpPr>
+            <a:cxnSpLocks/>
+            <a:stCxn id="59" idx="2"/>
+            <a:endCxn id="65" idx="0"/>
+          </p:cNvCxnSpPr>
+          <p:nvPr/>
+        </p:nvCxnSpPr>
+        <p:spPr>
+          <a:xfrm>
+            <a:off x="3382671" y="3223120"/>
+            <a:ext cx="6248" cy="723826"/>
+          </a:xfrm>
+          <a:prstGeom prst="straightConnector1">
+            <a:avLst/>
+          </a:prstGeom>
+          <a:ln>
+            <a:tailEnd type="triangle"/>
+          </a:ln>
+        </p:spPr>
+        <p:style>
+          <a:lnRef idx="1">
+            <a:schemeClr val="accent1"/>
+          </a:lnRef>
+          <a:fillRef idx="0">
+            <a:schemeClr val="accent1"/>
+          </a:fillRef>
+          <a:effectRef idx="0">
+            <a:schemeClr val="accent1"/>
+          </a:effectRef>
+          <a:fontRef idx="minor">
+            <a:schemeClr val="tx1"/>
+          </a:fontRef>
+        </p:style>
+      </p:cxnSp>
+      <p:sp>
+        <p:nvSpPr>
+          <p:cNvPr id="83" name="文字方塊 82">
+            <a:extLst>
+              <a:ext uri="{FF2B5EF4-FFF2-40B4-BE49-F238E27FC236}">
+                <a16:creationId xmlns:a16="http://schemas.microsoft.com/office/drawing/2014/main" id="{61A98B7C-1387-4487-AD53-C1EFDDDD2D80}"/>
+              </a:ext>
+            </a:extLst>
+          </p:cNvPr>
+          <p:cNvSpPr txBox="1"/>
+          <p:nvPr/>
+        </p:nvSpPr>
+        <p:spPr>
+          <a:xfrm>
+            <a:off x="8646850" y="5530788"/>
+            <a:ext cx="3169329" cy="646331"/>
+          </a:xfrm>
+          <a:prstGeom prst="rect">
+            <a:avLst/>
+          </a:prstGeom>
+          <a:noFill/>
+        </p:spPr>
+        <p:txBody>
+          <a:bodyPr wrap="square" rtlCol="0">
+            <a:spAutoFit/>
+          </a:bodyPr>
+          <a:lstStyle/>
+          <a:p>
+            <a:r>
+              <a:rPr lang="en-US" altLang="zh-TW" dirty="0">
+                <a:latin typeface="Times New Roman" panose="02020603050405020304" pitchFamily="18" charset="0"/>
+                <a:cs typeface="Times New Roman" panose="02020603050405020304" pitchFamily="18" charset="0"/>
+              </a:rPr>
+              <a:t>C111112131</a:t>
+            </a:r>
+          </a:p>
+          <a:p>
+            <a:r>
+              <a:rPr lang="zh-TW" altLang="en-US" dirty="0">
+                <a:latin typeface="標楷體" panose="03000509000000000000" pitchFamily="65" charset="-120"/>
+                <a:ea typeface="標楷體" panose="03000509000000000000" pitchFamily="65" charset="-120"/>
+              </a:rPr>
+              <a:t>詹逸宏</a:t>
+            </a:r>
+          </a:p>
+        </p:txBody>
+      </p:sp>
+      <p:cxnSp>
+        <p:nvCxnSpPr>
+          <p:cNvPr id="102" name="直線單箭頭接點 101">
+            <a:extLst>
+              <a:ext uri="{FF2B5EF4-FFF2-40B4-BE49-F238E27FC236}">
+                <a16:creationId xmlns:a16="http://schemas.microsoft.com/office/drawing/2014/main" id="{92648F35-B91D-4280-AF8B-BAB7EB9B1810}"/>
+              </a:ext>
+            </a:extLst>
+          </p:cNvPr>
+          <p:cNvCxnSpPr>
+            <a:cxnSpLocks/>
+            <a:stCxn id="27" idx="2"/>
+          </p:cNvCxnSpPr>
+          <p:nvPr/>
+        </p:nvCxnSpPr>
+        <p:spPr>
+          <a:xfrm>
+            <a:off x="9664823" y="1962843"/>
+            <a:ext cx="0" cy="646255"/>
+          </a:xfrm>
+          <a:prstGeom prst="straightConnector1">
+            <a:avLst/>
+          </a:prstGeom>
+          <a:ln>
+            <a:tailEnd type="triangle"/>
+          </a:ln>
+        </p:spPr>
+        <p:style>
+          <a:lnRef idx="1">
+            <a:schemeClr val="accent1"/>
+          </a:lnRef>
+          <a:fillRef idx="0">
+            <a:schemeClr val="accent1"/>
+          </a:fillRef>
+          <a:effectRef idx="0">
+            <a:schemeClr val="accent1"/>
+          </a:effectRef>
+          <a:fontRef idx="minor">
+            <a:schemeClr val="tx1"/>
+          </a:fontRef>
+        </p:style>
+      </p:cxnSp>
       <p:grpSp>
         <p:nvGrpSpPr>
-          <p:cNvPr id="67" name="群組 66">
-            <a:extLst>
-              <a:ext uri="{FF2B5EF4-FFF2-40B4-BE49-F238E27FC236}">
-                <a16:creationId xmlns:a16="http://schemas.microsoft.com/office/drawing/2014/main" id="{AFF577B5-AF14-4F08-A6AE-B34DF222BD5B}"/>
+          <p:cNvPr id="71" name="群組 70">
+            <a:extLst>
+              <a:ext uri="{FF2B5EF4-FFF2-40B4-BE49-F238E27FC236}">
+                <a16:creationId xmlns:a16="http://schemas.microsoft.com/office/drawing/2014/main" id="{FD7480ED-4F06-4EFD-AC89-5D9CF023F076}"/>
               </a:ext>
             </a:extLst>
           </p:cNvPr>
@@ -4903,18 +5124,18 @@
         </p:nvGrpSpPr>
         <p:grpSpPr>
           <a:xfrm>
-            <a:off x="3446902" y="4025504"/>
-            <a:ext cx="1550811" cy="584775"/>
-            <a:chOff x="639193" y="1363659"/>
-            <a:chExt cx="1550811" cy="584775"/>
+            <a:off x="9145480" y="2676205"/>
+            <a:ext cx="1809391" cy="646255"/>
+            <a:chOff x="639193" y="1405492"/>
+            <a:chExt cx="1590551" cy="495670"/>
           </a:xfrm>
         </p:grpSpPr>
         <p:sp>
           <p:nvSpPr>
-            <p:cNvPr id="68" name="矩形: 圓角 67">
+            <p:cNvPr id="72" name="矩形: 圓角 71">
               <a:extLst>
                 <a:ext uri="{FF2B5EF4-FFF2-40B4-BE49-F238E27FC236}">
-                  <a16:creationId xmlns:a16="http://schemas.microsoft.com/office/drawing/2014/main" id="{4D764A34-2D51-46C8-9AF8-8165490800B3}"/>
+                  <a16:creationId xmlns:a16="http://schemas.microsoft.com/office/drawing/2014/main" id="{3EF9576F-8977-437A-8E4F-3BF2A0E89351}"/>
                 </a:ext>
               </a:extLst>
             </p:cNvPr>
@@ -4958,10 +5179,10 @@
         </p:sp>
         <p:sp>
           <p:nvSpPr>
-            <p:cNvPr id="69" name="文字方塊 68">
+            <p:cNvPr id="74" name="文字方塊 73">
               <a:extLst>
                 <a:ext uri="{FF2B5EF4-FFF2-40B4-BE49-F238E27FC236}">
-                  <a16:creationId xmlns:a16="http://schemas.microsoft.com/office/drawing/2014/main" id="{CAFBE027-AFAB-40FB-B20D-9C52C051FDEB}"/>
+                  <a16:creationId xmlns:a16="http://schemas.microsoft.com/office/drawing/2014/main" id="{23E19466-368F-4FA9-9308-0B5D3B9FCFAB}"/>
                 </a:ext>
               </a:extLst>
             </p:cNvPr>
@@ -4970,347 +5191,8 @@
           </p:nvSpPr>
           <p:spPr>
             <a:xfrm>
-              <a:off x="822843" y="1363659"/>
-              <a:ext cx="1367161" cy="584775"/>
-            </a:xfrm>
-            <a:prstGeom prst="rect">
-              <a:avLst/>
-            </a:prstGeom>
-            <a:noFill/>
-          </p:spPr>
-          <p:txBody>
-            <a:bodyPr wrap="square" rtlCol="0">
-              <a:spAutoFit/>
-            </a:bodyPr>
-            <a:lstStyle/>
-            <a:p>
-              <a:r>
-                <a:rPr lang="en-US" altLang="zh-TW" sz="1600" dirty="0">
-                  <a:latin typeface="Times New Roman" panose="02020603050405020304" pitchFamily="18" charset="0"/>
-                  <a:ea typeface="標楷體" panose="03000509000000000000" pitchFamily="65" charset="-120"/>
-                  <a:cs typeface="Times New Roman" panose="02020603050405020304" pitchFamily="18" charset="0"/>
-                </a:rPr>
-                <a:t>distance</a:t>
-              </a:r>
-            </a:p>
-            <a:p>
-              <a:r>
-                <a:rPr lang="en-US" altLang="zh-TW" sz="1600" dirty="0" err="1">
-                  <a:latin typeface="Times New Roman" panose="02020603050405020304" pitchFamily="18" charset="0"/>
-                  <a:ea typeface="標楷體" panose="03000509000000000000" pitchFamily="65" charset="-120"/>
-                  <a:cs typeface="Times New Roman" panose="02020603050405020304" pitchFamily="18" charset="0"/>
-                </a:rPr>
-                <a:t>measare</a:t>
-              </a:r>
-              <a:endParaRPr lang="en-US" altLang="zh-TW" sz="1600" dirty="0">
-                <a:latin typeface="Times New Roman" panose="02020603050405020304" pitchFamily="18" charset="0"/>
-                <a:ea typeface="標楷體" panose="03000509000000000000" pitchFamily="65" charset="-120"/>
-                <a:cs typeface="Times New Roman" panose="02020603050405020304" pitchFamily="18" charset="0"/>
-              </a:endParaRPr>
-            </a:p>
-          </p:txBody>
-        </p:sp>
-      </p:grpSp>
-      <p:cxnSp>
-        <p:nvCxnSpPr>
-          <p:cNvPr id="70" name="直線單箭頭接點 69">
-            <a:extLst>
-              <a:ext uri="{FF2B5EF4-FFF2-40B4-BE49-F238E27FC236}">
-                <a16:creationId xmlns:a16="http://schemas.microsoft.com/office/drawing/2014/main" id="{82DCB461-5704-41CD-B1D4-52231E4A45AC}"/>
-              </a:ext>
-            </a:extLst>
-          </p:cNvPr>
-          <p:cNvCxnSpPr>
-            <a:cxnSpLocks/>
-            <a:stCxn id="18" idx="2"/>
-            <a:endCxn id="59" idx="0"/>
-          </p:cNvCxnSpPr>
-          <p:nvPr/>
-        </p:nvCxnSpPr>
-        <p:spPr>
-          <a:xfrm flipH="1">
-            <a:off x="3382671" y="1962843"/>
-            <a:ext cx="582690" cy="764607"/>
-          </a:xfrm>
-          <a:prstGeom prst="straightConnector1">
-            <a:avLst/>
-          </a:prstGeom>
-          <a:ln>
-            <a:tailEnd type="triangle"/>
-          </a:ln>
-        </p:spPr>
-        <p:style>
-          <a:lnRef idx="1">
-            <a:schemeClr val="accent1"/>
-          </a:lnRef>
-          <a:fillRef idx="0">
-            <a:schemeClr val="accent1"/>
-          </a:fillRef>
-          <a:effectRef idx="0">
-            <a:schemeClr val="accent1"/>
-          </a:effectRef>
-          <a:fontRef idx="minor">
-            <a:schemeClr val="tx1"/>
-          </a:fontRef>
-        </p:style>
-      </p:cxnSp>
-      <p:cxnSp>
-        <p:nvCxnSpPr>
-          <p:cNvPr id="73" name="直線單箭頭接點 72">
-            <a:extLst>
-              <a:ext uri="{FF2B5EF4-FFF2-40B4-BE49-F238E27FC236}">
-                <a16:creationId xmlns:a16="http://schemas.microsoft.com/office/drawing/2014/main" id="{1FB46B50-3F1D-48F8-A660-7D73AB487093}"/>
-              </a:ext>
-            </a:extLst>
-          </p:cNvPr>
-          <p:cNvCxnSpPr>
-            <a:cxnSpLocks/>
-            <a:stCxn id="18" idx="2"/>
-          </p:cNvCxnSpPr>
-          <p:nvPr/>
-        </p:nvCxnSpPr>
-        <p:spPr>
-          <a:xfrm>
-            <a:off x="3965361" y="1962843"/>
-            <a:ext cx="707255" cy="723826"/>
-          </a:xfrm>
-          <a:prstGeom prst="straightConnector1">
-            <a:avLst/>
-          </a:prstGeom>
-          <a:ln>
-            <a:tailEnd type="triangle"/>
-          </a:ln>
-        </p:spPr>
-        <p:style>
-          <a:lnRef idx="1">
-            <a:schemeClr val="accent1"/>
-          </a:lnRef>
-          <a:fillRef idx="0">
-            <a:schemeClr val="accent1"/>
-          </a:fillRef>
-          <a:effectRef idx="0">
-            <a:schemeClr val="accent1"/>
-          </a:effectRef>
-          <a:fontRef idx="minor">
-            <a:schemeClr val="tx1"/>
-          </a:fontRef>
-        </p:style>
-      </p:cxnSp>
-      <p:cxnSp>
-        <p:nvCxnSpPr>
-          <p:cNvPr id="77" name="直線單箭頭接點 76">
-            <a:extLst>
-              <a:ext uri="{FF2B5EF4-FFF2-40B4-BE49-F238E27FC236}">
-                <a16:creationId xmlns:a16="http://schemas.microsoft.com/office/drawing/2014/main" id="{11F5863D-9622-45CE-BEC1-23305BBC9DD6}"/>
-              </a:ext>
-            </a:extLst>
-          </p:cNvPr>
-          <p:cNvCxnSpPr>
-            <a:cxnSpLocks/>
-            <a:stCxn id="59" idx="2"/>
-            <a:endCxn id="65" idx="0"/>
-          </p:cNvCxnSpPr>
-          <p:nvPr/>
-        </p:nvCxnSpPr>
-        <p:spPr>
-          <a:xfrm flipH="1">
-            <a:off x="2705338" y="3223120"/>
-            <a:ext cx="677333" cy="861094"/>
-          </a:xfrm>
-          <a:prstGeom prst="straightConnector1">
-            <a:avLst/>
-          </a:prstGeom>
-          <a:ln>
-            <a:tailEnd type="triangle"/>
-          </a:ln>
-        </p:spPr>
-        <p:style>
-          <a:lnRef idx="1">
-            <a:schemeClr val="accent1"/>
-          </a:lnRef>
-          <a:fillRef idx="0">
-            <a:schemeClr val="accent1"/>
-          </a:fillRef>
-          <a:effectRef idx="0">
-            <a:schemeClr val="accent1"/>
-          </a:effectRef>
-          <a:fontRef idx="minor">
-            <a:schemeClr val="tx1"/>
-          </a:fontRef>
-        </p:style>
-      </p:cxnSp>
-      <p:cxnSp>
-        <p:nvCxnSpPr>
-          <p:cNvPr id="80" name="直線單箭頭接點 79">
-            <a:extLst>
-              <a:ext uri="{FF2B5EF4-FFF2-40B4-BE49-F238E27FC236}">
-                <a16:creationId xmlns:a16="http://schemas.microsoft.com/office/drawing/2014/main" id="{B5A9DCAF-34E0-4028-830C-CAD2250AAAF5}"/>
-              </a:ext>
-            </a:extLst>
-          </p:cNvPr>
-          <p:cNvCxnSpPr>
-            <a:cxnSpLocks/>
-            <a:stCxn id="59" idx="2"/>
-          </p:cNvCxnSpPr>
-          <p:nvPr/>
-        </p:nvCxnSpPr>
-        <p:spPr>
-          <a:xfrm>
-            <a:off x="3382671" y="3223120"/>
-            <a:ext cx="651817" cy="796945"/>
-          </a:xfrm>
-          <a:prstGeom prst="straightConnector1">
-            <a:avLst/>
-          </a:prstGeom>
-          <a:ln>
-            <a:tailEnd type="triangle"/>
-          </a:ln>
-        </p:spPr>
-        <p:style>
-          <a:lnRef idx="1">
-            <a:schemeClr val="accent1"/>
-          </a:lnRef>
-          <a:fillRef idx="0">
-            <a:schemeClr val="accent1"/>
-          </a:fillRef>
-          <a:effectRef idx="0">
-            <a:schemeClr val="accent1"/>
-          </a:effectRef>
-          <a:fontRef idx="minor">
-            <a:schemeClr val="tx1"/>
-          </a:fontRef>
-        </p:style>
-      </p:cxnSp>
-      <p:sp>
-        <p:nvSpPr>
-          <p:cNvPr id="83" name="文字方塊 82">
-            <a:extLst>
-              <a:ext uri="{FF2B5EF4-FFF2-40B4-BE49-F238E27FC236}">
-                <a16:creationId xmlns:a16="http://schemas.microsoft.com/office/drawing/2014/main" id="{61A98B7C-1387-4487-AD53-C1EFDDDD2D80}"/>
-              </a:ext>
-            </a:extLst>
-          </p:cNvPr>
-          <p:cNvSpPr txBox="1"/>
-          <p:nvPr/>
-        </p:nvSpPr>
-        <p:spPr>
-          <a:xfrm>
-            <a:off x="8646850" y="5530788"/>
-            <a:ext cx="3169329" cy="646331"/>
-          </a:xfrm>
-          <a:prstGeom prst="rect">
-            <a:avLst/>
-          </a:prstGeom>
-          <a:noFill/>
-        </p:spPr>
-        <p:txBody>
-          <a:bodyPr wrap="square" rtlCol="0">
-            <a:spAutoFit/>
-          </a:bodyPr>
-          <a:lstStyle/>
-          <a:p>
-            <a:r>
-              <a:rPr lang="en-US" altLang="zh-TW" dirty="0">
-                <a:latin typeface="Times New Roman" panose="02020603050405020304" pitchFamily="18" charset="0"/>
-                <a:cs typeface="Times New Roman" panose="02020603050405020304" pitchFamily="18" charset="0"/>
-              </a:rPr>
-              <a:t>C111112131</a:t>
-            </a:r>
-          </a:p>
-          <a:p>
-            <a:r>
-              <a:rPr lang="zh-TW" altLang="en-US" dirty="0">
-                <a:latin typeface="標楷體" panose="03000509000000000000" pitchFamily="65" charset="-120"/>
-                <a:ea typeface="標楷體" panose="03000509000000000000" pitchFamily="65" charset="-120"/>
-              </a:rPr>
-              <a:t>詹逸宏</a:t>
-            </a:r>
-          </a:p>
-        </p:txBody>
-      </p:sp>
-      <p:grpSp>
-        <p:nvGrpSpPr>
-          <p:cNvPr id="84" name="群組 83">
-            <a:extLst>
-              <a:ext uri="{FF2B5EF4-FFF2-40B4-BE49-F238E27FC236}">
-                <a16:creationId xmlns:a16="http://schemas.microsoft.com/office/drawing/2014/main" id="{5088EE2A-3358-4C3C-BC62-8FFEBCC4A6A2}"/>
-              </a:ext>
-            </a:extLst>
-          </p:cNvPr>
-          <p:cNvGrpSpPr/>
-          <p:nvPr/>
-        </p:nvGrpSpPr>
-        <p:grpSpPr>
-          <a:xfrm>
-            <a:off x="9172961" y="2626838"/>
-            <a:ext cx="1558965" cy="495670"/>
-            <a:chOff x="639193" y="1405492"/>
-            <a:chExt cx="1558965" cy="495670"/>
-          </a:xfrm>
-        </p:grpSpPr>
-        <p:sp>
-          <p:nvSpPr>
-            <p:cNvPr id="85" name="矩形: 圓角 84">
-              <a:extLst>
-                <a:ext uri="{FF2B5EF4-FFF2-40B4-BE49-F238E27FC236}">
-                  <a16:creationId xmlns:a16="http://schemas.microsoft.com/office/drawing/2014/main" id="{7CA0505F-6F0C-4B1A-9A24-768A26ABB006}"/>
-                </a:ext>
-              </a:extLst>
-            </p:cNvPr>
-            <p:cNvSpPr/>
-            <p:nvPr/>
-          </p:nvSpPr>
-          <p:spPr>
-            <a:xfrm>
-              <a:off x="639193" y="1405492"/>
-              <a:ext cx="1180730" cy="495670"/>
-            </a:xfrm>
-            <a:prstGeom prst="roundRect">
-              <a:avLst/>
-            </a:prstGeom>
-            <a:noFill/>
-          </p:spPr>
-          <p:style>
-            <a:lnRef idx="2">
-              <a:schemeClr val="accent1">
-                <a:shade val="50000"/>
-              </a:schemeClr>
-            </a:lnRef>
-            <a:fillRef idx="1">
-              <a:schemeClr val="accent1"/>
-            </a:fillRef>
-            <a:effectRef idx="0">
-              <a:schemeClr val="accent1"/>
-            </a:effectRef>
-            <a:fontRef idx="minor">
-              <a:schemeClr val="lt1"/>
-            </a:fontRef>
-          </p:style>
-          <p:txBody>
-            <a:bodyPr rtlCol="0" anchor="ctr"/>
-            <a:lstStyle/>
-            <a:p>
-              <a:pPr algn="ctr"/>
-              <a:endParaRPr lang="zh-TW" altLang="en-US"/>
-            </a:p>
-          </p:txBody>
-        </p:sp>
-        <p:sp>
-          <p:nvSpPr>
-            <p:cNvPr id="86" name="文字方塊 85">
-              <a:extLst>
-                <a:ext uri="{FF2B5EF4-FFF2-40B4-BE49-F238E27FC236}">
-                  <a16:creationId xmlns:a16="http://schemas.microsoft.com/office/drawing/2014/main" id="{C913159A-9EF3-4D2F-94BA-681FF48FD1CD}"/>
-                </a:ext>
-              </a:extLst>
-            </p:cNvPr>
-            <p:cNvSpPr txBox="1"/>
-            <p:nvPr/>
-          </p:nvSpPr>
-          <p:spPr>
-            <a:xfrm>
-              <a:off x="830997" y="1460146"/>
-              <a:ext cx="1367161" cy="338554"/>
+              <a:off x="666337" y="1425826"/>
+              <a:ext cx="1563407" cy="448516"/>
             </a:xfrm>
             <a:prstGeom prst="rect">
               <a:avLst/>
@@ -5328,7 +5210,30 @@
                   <a:latin typeface="標楷體" panose="03000509000000000000" pitchFamily="65" charset="-120"/>
                   <a:ea typeface="標楷體" panose="03000509000000000000" pitchFamily="65" charset="-120"/>
                 </a:rPr>
-                <a:t>stride</a:t>
+                <a:t>sobel</a:t>
+              </a:r>
+              <a:r>
+                <a:rPr lang="zh-TW" altLang="en-US" sz="1600" dirty="0">
+                  <a:latin typeface="標楷體" panose="03000509000000000000" pitchFamily="65" charset="-120"/>
+                  <a:ea typeface="標楷體" panose="03000509000000000000" pitchFamily="65" charset="-120"/>
+                </a:rPr>
+                <a:t> </a:t>
+              </a:r>
+              <a:r>
+                <a:rPr lang="en-US" altLang="zh-TW" sz="1600" dirty="0">
+                  <a:latin typeface="標楷體" panose="03000509000000000000" pitchFamily="65" charset="-120"/>
+                  <a:ea typeface="標楷體" panose="03000509000000000000" pitchFamily="65" charset="-120"/>
+                </a:rPr>
+                <a:t>ks</a:t>
+              </a:r>
+            </a:p>
+            <a:p>
+              <a:r>
+                <a:rPr lang="en-US" altLang="zh-TW" sz="1600" dirty="0">
+                  <a:latin typeface="標楷體" panose="03000509000000000000" pitchFamily="65" charset="-120"/>
+                  <a:ea typeface="標楷體" panose="03000509000000000000" pitchFamily="65" charset="-120"/>
+                </a:rPr>
+                <a:t>d_th…</a:t>
               </a:r>
               <a:endParaRPr lang="zh-TW" altLang="en-US" sz="1600" dirty="0">
                 <a:latin typeface="標楷體" panose="03000509000000000000" pitchFamily="65" charset="-120"/>
@@ -5338,357 +5243,6 @@
           </p:txBody>
         </p:sp>
       </p:grpSp>
-      <p:grpSp>
-        <p:nvGrpSpPr>
-          <p:cNvPr id="87" name="群組 86">
-            <a:extLst>
-              <a:ext uri="{FF2B5EF4-FFF2-40B4-BE49-F238E27FC236}">
-                <a16:creationId xmlns:a16="http://schemas.microsoft.com/office/drawing/2014/main" id="{25B117D3-549A-4781-BBDD-2AB473B7DB01}"/>
-              </a:ext>
-            </a:extLst>
-          </p:cNvPr>
-          <p:cNvGrpSpPr/>
-          <p:nvPr/>
-        </p:nvGrpSpPr>
-        <p:grpSpPr>
-          <a:xfrm>
-            <a:off x="7934526" y="2633419"/>
-            <a:ext cx="1831759" cy="495670"/>
-            <a:chOff x="639193" y="1405492"/>
-            <a:chExt cx="1831759" cy="495670"/>
-          </a:xfrm>
-        </p:grpSpPr>
-        <p:sp>
-          <p:nvSpPr>
-            <p:cNvPr id="88" name="矩形: 圓角 87">
-              <a:extLst>
-                <a:ext uri="{FF2B5EF4-FFF2-40B4-BE49-F238E27FC236}">
-                  <a16:creationId xmlns:a16="http://schemas.microsoft.com/office/drawing/2014/main" id="{B984EC47-EE61-4A23-A54B-E73402E9CCA0}"/>
-                </a:ext>
-              </a:extLst>
-            </p:cNvPr>
-            <p:cNvSpPr/>
-            <p:nvPr/>
-          </p:nvSpPr>
-          <p:spPr>
-            <a:xfrm>
-              <a:off x="639193" y="1405492"/>
-              <a:ext cx="1180730" cy="495670"/>
-            </a:xfrm>
-            <a:prstGeom prst="roundRect">
-              <a:avLst/>
-            </a:prstGeom>
-            <a:noFill/>
-          </p:spPr>
-          <p:style>
-            <a:lnRef idx="2">
-              <a:schemeClr val="accent1">
-                <a:shade val="50000"/>
-              </a:schemeClr>
-            </a:lnRef>
-            <a:fillRef idx="1">
-              <a:schemeClr val="accent1"/>
-            </a:fillRef>
-            <a:effectRef idx="0">
-              <a:schemeClr val="accent1"/>
-            </a:effectRef>
-            <a:fontRef idx="minor">
-              <a:schemeClr val="lt1"/>
-            </a:fontRef>
-          </p:style>
-          <p:txBody>
-            <a:bodyPr rtlCol="0" anchor="ctr"/>
-            <a:lstStyle/>
-            <a:p>
-              <a:pPr algn="ctr"/>
-              <a:endParaRPr lang="zh-TW" altLang="en-US"/>
-            </a:p>
-          </p:txBody>
-        </p:sp>
-        <p:sp>
-          <p:nvSpPr>
-            <p:cNvPr id="89" name="文字方塊 88">
-              <a:extLst>
-                <a:ext uri="{FF2B5EF4-FFF2-40B4-BE49-F238E27FC236}">
-                  <a16:creationId xmlns:a16="http://schemas.microsoft.com/office/drawing/2014/main" id="{17DD1005-CA00-4F77-8806-49656C6C21B1}"/>
-                </a:ext>
-              </a:extLst>
-            </p:cNvPr>
-            <p:cNvSpPr txBox="1"/>
-            <p:nvPr/>
-          </p:nvSpPr>
-          <p:spPr>
-            <a:xfrm>
-              <a:off x="1103791" y="1484049"/>
-              <a:ext cx="1367161" cy="338554"/>
-            </a:xfrm>
-            <a:prstGeom prst="rect">
-              <a:avLst/>
-            </a:prstGeom>
-            <a:noFill/>
-          </p:spPr>
-          <p:txBody>
-            <a:bodyPr wrap="square" rtlCol="0">
-              <a:spAutoFit/>
-            </a:bodyPr>
-            <a:lstStyle/>
-            <a:p>
-              <a:r>
-                <a:rPr lang="en-US" altLang="zh-TW" sz="1600" dirty="0">
-                  <a:latin typeface="Times New Roman" panose="02020603050405020304" pitchFamily="18" charset="0"/>
-                  <a:ea typeface="標楷體" panose="03000509000000000000" pitchFamily="65" charset="-120"/>
-                  <a:cs typeface="Times New Roman" panose="02020603050405020304" pitchFamily="18" charset="0"/>
-                </a:rPr>
-                <a:t>N</a:t>
-              </a:r>
-              <a:endParaRPr lang="zh-TW" altLang="en-US" sz="1600" dirty="0">
-                <a:latin typeface="Times New Roman" panose="02020603050405020304" pitchFamily="18" charset="0"/>
-                <a:ea typeface="標楷體" panose="03000509000000000000" pitchFamily="65" charset="-120"/>
-                <a:cs typeface="Times New Roman" panose="02020603050405020304" pitchFamily="18" charset="0"/>
-              </a:endParaRPr>
-            </a:p>
-          </p:txBody>
-        </p:sp>
-      </p:grpSp>
-      <p:grpSp>
-        <p:nvGrpSpPr>
-          <p:cNvPr id="90" name="群組 89">
-            <a:extLst>
-              <a:ext uri="{FF2B5EF4-FFF2-40B4-BE49-F238E27FC236}">
-                <a16:creationId xmlns:a16="http://schemas.microsoft.com/office/drawing/2014/main" id="{5DB3624D-87A1-4352-8F54-E31292D17BA0}"/>
-              </a:ext>
-            </a:extLst>
-          </p:cNvPr>
-          <p:cNvGrpSpPr/>
-          <p:nvPr/>
-        </p:nvGrpSpPr>
-        <p:grpSpPr>
-          <a:xfrm>
-            <a:off x="10438659" y="2602934"/>
-            <a:ext cx="1438184" cy="495670"/>
-            <a:chOff x="639193" y="1405492"/>
-            <a:chExt cx="1438184" cy="495670"/>
-          </a:xfrm>
-        </p:grpSpPr>
-        <p:sp>
-          <p:nvSpPr>
-            <p:cNvPr id="91" name="矩形: 圓角 90">
-              <a:extLst>
-                <a:ext uri="{FF2B5EF4-FFF2-40B4-BE49-F238E27FC236}">
-                  <a16:creationId xmlns:a16="http://schemas.microsoft.com/office/drawing/2014/main" id="{DF5BFFFD-0721-4F65-8EF3-33587272ABEA}"/>
-                </a:ext>
-              </a:extLst>
-            </p:cNvPr>
-            <p:cNvSpPr/>
-            <p:nvPr/>
-          </p:nvSpPr>
-          <p:spPr>
-            <a:xfrm>
-              <a:off x="639193" y="1405492"/>
-              <a:ext cx="1180730" cy="495670"/>
-            </a:xfrm>
-            <a:prstGeom prst="roundRect">
-              <a:avLst/>
-            </a:prstGeom>
-            <a:noFill/>
-          </p:spPr>
-          <p:style>
-            <a:lnRef idx="2">
-              <a:schemeClr val="accent1">
-                <a:shade val="50000"/>
-              </a:schemeClr>
-            </a:lnRef>
-            <a:fillRef idx="1">
-              <a:schemeClr val="accent1"/>
-            </a:fillRef>
-            <a:effectRef idx="0">
-              <a:schemeClr val="accent1"/>
-            </a:effectRef>
-            <a:fontRef idx="minor">
-              <a:schemeClr val="lt1"/>
-            </a:fontRef>
-          </p:style>
-          <p:txBody>
-            <a:bodyPr rtlCol="0" anchor="ctr"/>
-            <a:lstStyle/>
-            <a:p>
-              <a:pPr algn="ctr"/>
-              <a:endParaRPr lang="zh-TW" altLang="en-US"/>
-            </a:p>
-          </p:txBody>
-        </p:sp>
-        <p:sp>
-          <p:nvSpPr>
-            <p:cNvPr id="92" name="文字方塊 91">
-              <a:extLst>
-                <a:ext uri="{FF2B5EF4-FFF2-40B4-BE49-F238E27FC236}">
-                  <a16:creationId xmlns:a16="http://schemas.microsoft.com/office/drawing/2014/main" id="{D7ADDE12-7361-4BDF-9F52-8155F5758173}"/>
-                </a:ext>
-              </a:extLst>
-            </p:cNvPr>
-            <p:cNvSpPr txBox="1"/>
-            <p:nvPr/>
-          </p:nvSpPr>
-          <p:spPr>
-            <a:xfrm>
-              <a:off x="710216" y="1484049"/>
-              <a:ext cx="1367161" cy="338554"/>
-            </a:xfrm>
-            <a:prstGeom prst="rect">
-              <a:avLst/>
-            </a:prstGeom>
-            <a:noFill/>
-          </p:spPr>
-          <p:txBody>
-            <a:bodyPr wrap="square" rtlCol="0">
-              <a:spAutoFit/>
-            </a:bodyPr>
-            <a:lstStyle/>
-            <a:p>
-              <a:r>
-                <a:rPr lang="en-US" altLang="zh-TW" sz="1600" dirty="0">
-                  <a:latin typeface="Times New Roman" panose="02020603050405020304" pitchFamily="18" charset="0"/>
-                  <a:ea typeface="標楷體" panose="03000509000000000000" pitchFamily="65" charset="-120"/>
-                  <a:cs typeface="Times New Roman" panose="02020603050405020304" pitchFamily="18" charset="0"/>
-                </a:rPr>
-                <a:t>Sobel k</a:t>
-              </a:r>
-              <a:endParaRPr lang="zh-TW" altLang="en-US" sz="1600" dirty="0">
-                <a:latin typeface="Times New Roman" panose="02020603050405020304" pitchFamily="18" charset="0"/>
-                <a:ea typeface="標楷體" panose="03000509000000000000" pitchFamily="65" charset="-120"/>
-                <a:cs typeface="Times New Roman" panose="02020603050405020304" pitchFamily="18" charset="0"/>
-              </a:endParaRPr>
-            </a:p>
-          </p:txBody>
-        </p:sp>
-      </p:grpSp>
-      <p:cxnSp>
-        <p:nvCxnSpPr>
-          <p:cNvPr id="99" name="直線單箭頭接點 98">
-            <a:extLst>
-              <a:ext uri="{FF2B5EF4-FFF2-40B4-BE49-F238E27FC236}">
-                <a16:creationId xmlns:a16="http://schemas.microsoft.com/office/drawing/2014/main" id="{DB7A5D0E-683E-4CA0-9C16-0CDA90C44B98}"/>
-              </a:ext>
-            </a:extLst>
-          </p:cNvPr>
-          <p:cNvCxnSpPr>
-            <a:cxnSpLocks/>
-            <a:stCxn id="27" idx="2"/>
-            <a:endCxn id="91" idx="0"/>
-          </p:cNvCxnSpPr>
-          <p:nvPr/>
-        </p:nvCxnSpPr>
-        <p:spPr>
-          <a:xfrm>
-            <a:off x="9664823" y="1962843"/>
-            <a:ext cx="1364201" cy="640091"/>
-          </a:xfrm>
-          <a:prstGeom prst="straightConnector1">
-            <a:avLst/>
-          </a:prstGeom>
-          <a:ln>
-            <a:tailEnd type="triangle"/>
-          </a:ln>
-        </p:spPr>
-        <p:style>
-          <a:lnRef idx="1">
-            <a:schemeClr val="accent1"/>
-          </a:lnRef>
-          <a:fillRef idx="0">
-            <a:schemeClr val="accent1"/>
-          </a:fillRef>
-          <a:effectRef idx="0">
-            <a:schemeClr val="accent1"/>
-          </a:effectRef>
-          <a:fontRef idx="minor">
-            <a:schemeClr val="tx1"/>
-          </a:fontRef>
-        </p:style>
-      </p:cxnSp>
-      <p:cxnSp>
-        <p:nvCxnSpPr>
-          <p:cNvPr id="102" name="直線單箭頭接點 101">
-            <a:extLst>
-              <a:ext uri="{FF2B5EF4-FFF2-40B4-BE49-F238E27FC236}">
-                <a16:creationId xmlns:a16="http://schemas.microsoft.com/office/drawing/2014/main" id="{92648F35-B91D-4280-AF8B-BAB7EB9B1810}"/>
-              </a:ext>
-            </a:extLst>
-          </p:cNvPr>
-          <p:cNvCxnSpPr>
-            <a:cxnSpLocks/>
-          </p:cNvCxnSpPr>
-          <p:nvPr/>
-        </p:nvCxnSpPr>
-        <p:spPr>
-          <a:xfrm>
-            <a:off x="9664823" y="1932359"/>
-            <a:ext cx="74256" cy="694479"/>
-          </a:xfrm>
-          <a:prstGeom prst="straightConnector1">
-            <a:avLst/>
-          </a:prstGeom>
-          <a:ln>
-            <a:tailEnd type="triangle"/>
-          </a:ln>
-        </p:spPr>
-        <p:style>
-          <a:lnRef idx="1">
-            <a:schemeClr val="accent1"/>
-          </a:lnRef>
-          <a:fillRef idx="0">
-            <a:schemeClr val="accent1"/>
-          </a:fillRef>
-          <a:effectRef idx="0">
-            <a:schemeClr val="accent1"/>
-          </a:effectRef>
-          <a:fontRef idx="minor">
-            <a:schemeClr val="tx1"/>
-          </a:fontRef>
-        </p:style>
-      </p:cxnSp>
-      <p:cxnSp>
-        <p:nvCxnSpPr>
-          <p:cNvPr id="105" name="直線單箭頭接點 104">
-            <a:extLst>
-              <a:ext uri="{FF2B5EF4-FFF2-40B4-BE49-F238E27FC236}">
-                <a16:creationId xmlns:a16="http://schemas.microsoft.com/office/drawing/2014/main" id="{2FAA2E97-A8E7-46B2-B1B4-68B45160E3C3}"/>
-              </a:ext>
-            </a:extLst>
-          </p:cNvPr>
-          <p:cNvCxnSpPr>
-            <a:cxnSpLocks/>
-            <a:stCxn id="27" idx="2"/>
-            <a:endCxn id="88" idx="0"/>
-          </p:cNvCxnSpPr>
-          <p:nvPr/>
-        </p:nvCxnSpPr>
-        <p:spPr>
-          <a:xfrm flipH="1">
-            <a:off x="8524891" y="1962843"/>
-            <a:ext cx="1139932" cy="670576"/>
-          </a:xfrm>
-          <a:prstGeom prst="straightConnector1">
-            <a:avLst/>
-          </a:prstGeom>
-          <a:ln>
-            <a:tailEnd type="triangle"/>
-          </a:ln>
-        </p:spPr>
-        <p:style>
-          <a:lnRef idx="1">
-            <a:schemeClr val="accent1"/>
-          </a:lnRef>
-          <a:fillRef idx="0">
-            <a:schemeClr val="accent1"/>
-          </a:fillRef>
-          <a:effectRef idx="0">
-            <a:schemeClr val="accent1"/>
-          </a:effectRef>
-          <a:fontRef idx="minor">
-            <a:schemeClr val="tx1"/>
-          </a:fontRef>
-        </p:style>
-      </p:cxnSp>
     </p:spTree>
     <p:extLst>
       <p:ext uri="{BB962C8B-B14F-4D97-AF65-F5344CB8AC3E}">
@@ -5721,10 +5275,10 @@
       </p:grpSpPr>
       <p:pic>
         <p:nvPicPr>
-          <p:cNvPr id="5" name="圖片 4">
-            <a:extLst>
-              <a:ext uri="{FF2B5EF4-FFF2-40B4-BE49-F238E27FC236}">
-                <a16:creationId xmlns:a16="http://schemas.microsoft.com/office/drawing/2014/main" id="{4987209C-DF99-450F-B866-38A2BAF59847}"/>
+          <p:cNvPr id="3" name="圖片 2">
+            <a:extLst>
+              <a:ext uri="{FF2B5EF4-FFF2-40B4-BE49-F238E27FC236}">
+                <a16:creationId xmlns:a16="http://schemas.microsoft.com/office/drawing/2014/main" id="{5CF7042A-83AA-4725-9015-ADA2F8303DDE}"/>
               </a:ext>
             </a:extLst>
           </p:cNvPr>
@@ -5734,21 +5288,15 @@
           <p:nvPr/>
         </p:nvPicPr>
         <p:blipFill>
-          <a:blip r:embed="rId2">
-            <a:extLst>
-              <a:ext uri="{28A0092B-C50C-407E-A947-70E740481C1C}">
-                <a14:useLocalDpi xmlns:a14="http://schemas.microsoft.com/office/drawing/2010/main" val="0"/>
-              </a:ext>
-            </a:extLst>
-          </a:blip>
+          <a:blip r:embed="rId2"/>
           <a:stretch>
             <a:fillRect/>
           </a:stretch>
         </p:blipFill>
         <p:spPr>
           <a:xfrm>
-            <a:off x="0" y="1180730"/>
-            <a:ext cx="12192000" cy="4367814"/>
+            <a:off x="0" y="2570018"/>
+            <a:ext cx="12192000" cy="1717963"/>
           </a:xfrm>
           <a:prstGeom prst="rect">
             <a:avLst/>
@@ -5763,7 +5311,7 @@
     </p:spTree>
     <p:extLst>
       <p:ext uri="{BB962C8B-B14F-4D97-AF65-F5344CB8AC3E}">
-        <p14:creationId xmlns:p14="http://schemas.microsoft.com/office/powerpoint/2010/main" val="3047843376"/>
+        <p14:creationId xmlns:p14="http://schemas.microsoft.com/office/powerpoint/2010/main" val="3538469443"/>
       </p:ext>
     </p:extLst>
   </p:cSld>
